--- a/slides/08_ML_Classification_TreeBased.pptx
+++ b/slides/08_ML_Classification_TreeBased.pptx
@@ -229,7 +229,7 @@
           <a:p>
             <a:fld id="{2B6ADA65-42AE-42FD-B70D-8865A2D11361}" type="datetimeFigureOut">
               <a:rPr lang="en-US" smtClean="0"/>
-              <a:t>6/2/2020</a:t>
+              <a:t>6/7/2020</a:t>
             </a:fld>
             <a:endParaRPr lang="en-US"/>
           </a:p>
@@ -1314,7 +1314,32 @@
               </a:rPr>
               <a:t>Precision=accuracy of the positive predictions</a:t>
             </a:r>
-            <a:endParaRPr lang="en-US" dirty="0"/>
+          </a:p>
+          <a:p>
+            <a:endParaRPr lang="en-US" sz="1200" b="0" i="0" u="none" strike="noStrike" kern="1200" baseline="0" dirty="0">
+              <a:solidFill>
+                <a:schemeClr val="tx1"/>
+              </a:solidFill>
+              <a:latin typeface="+mn-lt"/>
+              <a:ea typeface="+mn-ea"/>
+              <a:cs typeface="+mn-cs"/>
+            </a:endParaRPr>
+          </a:p>
+          <a:p>
+            <a:r>
+              <a:rPr lang="en-US"/>
+              <a:t>False Positive    </a:t>
+            </a:r>
+            <a:r>
+              <a:rPr lang="en-US" dirty="0"/>
+              <a:t>(FP)-Also know as a Type I error</a:t>
+            </a:r>
+          </a:p>
+          <a:p>
+            <a:r>
+              <a:rPr lang="en-US" dirty="0"/>
+              <a:t>False Negative (FN)-Also know as a Type II error</a:t>
+            </a:r>
           </a:p>
         </p:txBody>
       </p:sp>
@@ -2952,7 +2977,7 @@
           <a:p>
             <a:fld id="{4EBB928B-0EDC-411C-A330-85D3092F9397}" type="datetimeFigureOut">
               <a:rPr lang="en-US" smtClean="0"/>
-              <a:t>6/2/2020</a:t>
+              <a:t>6/7/2020</a:t>
             </a:fld>
             <a:endParaRPr lang="en-US"/>
           </a:p>
@@ -3150,7 +3175,7 @@
           <a:p>
             <a:fld id="{4EBB928B-0EDC-411C-A330-85D3092F9397}" type="datetimeFigureOut">
               <a:rPr lang="en-US" smtClean="0"/>
-              <a:t>6/2/2020</a:t>
+              <a:t>6/7/2020</a:t>
             </a:fld>
             <a:endParaRPr lang="en-US"/>
           </a:p>
@@ -3358,7 +3383,7 @@
           <a:p>
             <a:fld id="{4EBB928B-0EDC-411C-A330-85D3092F9397}" type="datetimeFigureOut">
               <a:rPr lang="en-US" smtClean="0"/>
-              <a:t>6/2/2020</a:t>
+              <a:t>6/7/2020</a:t>
             </a:fld>
             <a:endParaRPr lang="en-US"/>
           </a:p>
@@ -3556,7 +3581,7 @@
           <a:p>
             <a:fld id="{4EBB928B-0EDC-411C-A330-85D3092F9397}" type="datetimeFigureOut">
               <a:rPr lang="en-US" smtClean="0"/>
-              <a:t>6/2/2020</a:t>
+              <a:t>6/7/2020</a:t>
             </a:fld>
             <a:endParaRPr lang="en-US"/>
           </a:p>
@@ -3831,7 +3856,7 @@
           <a:p>
             <a:fld id="{4EBB928B-0EDC-411C-A330-85D3092F9397}" type="datetimeFigureOut">
               <a:rPr lang="en-US" smtClean="0"/>
-              <a:t>6/2/2020</a:t>
+              <a:t>6/7/2020</a:t>
             </a:fld>
             <a:endParaRPr lang="en-US"/>
           </a:p>
@@ -4096,7 +4121,7 @@
           <a:p>
             <a:fld id="{4EBB928B-0EDC-411C-A330-85D3092F9397}" type="datetimeFigureOut">
               <a:rPr lang="en-US" smtClean="0"/>
-              <a:t>6/2/2020</a:t>
+              <a:t>6/7/2020</a:t>
             </a:fld>
             <a:endParaRPr lang="en-US"/>
           </a:p>
@@ -4508,7 +4533,7 @@
           <a:p>
             <a:fld id="{4EBB928B-0EDC-411C-A330-85D3092F9397}" type="datetimeFigureOut">
               <a:rPr lang="en-US" smtClean="0"/>
-              <a:t>6/2/2020</a:t>
+              <a:t>6/7/2020</a:t>
             </a:fld>
             <a:endParaRPr lang="en-US"/>
           </a:p>
@@ -4649,7 +4674,7 @@
           <a:p>
             <a:fld id="{4EBB928B-0EDC-411C-A330-85D3092F9397}" type="datetimeFigureOut">
               <a:rPr lang="en-US" smtClean="0"/>
-              <a:t>6/2/2020</a:t>
+              <a:t>6/7/2020</a:t>
             </a:fld>
             <a:endParaRPr lang="en-US"/>
           </a:p>
@@ -4762,7 +4787,7 @@
           <a:p>
             <a:fld id="{4EBB928B-0EDC-411C-A330-85D3092F9397}" type="datetimeFigureOut">
               <a:rPr lang="en-US" smtClean="0"/>
-              <a:t>6/2/2020</a:t>
+              <a:t>6/7/2020</a:t>
             </a:fld>
             <a:endParaRPr lang="en-US"/>
           </a:p>
@@ -5073,7 +5098,7 @@
           <a:p>
             <a:fld id="{4EBB928B-0EDC-411C-A330-85D3092F9397}" type="datetimeFigureOut">
               <a:rPr lang="en-US" smtClean="0"/>
-              <a:t>6/2/2020</a:t>
+              <a:t>6/7/2020</a:t>
             </a:fld>
             <a:endParaRPr lang="en-US"/>
           </a:p>
@@ -5361,7 +5386,7 @@
           <a:p>
             <a:fld id="{4EBB928B-0EDC-411C-A330-85D3092F9397}" type="datetimeFigureOut">
               <a:rPr lang="en-US" smtClean="0"/>
-              <a:t>6/2/2020</a:t>
+              <a:t>6/7/2020</a:t>
             </a:fld>
             <a:endParaRPr lang="en-US"/>
           </a:p>
@@ -5602,7 +5627,7 @@
           <a:p>
             <a:fld id="{4EBB928B-0EDC-411C-A330-85D3092F9397}" type="datetimeFigureOut">
               <a:rPr lang="en-US" smtClean="0"/>
-              <a:t>6/2/2020</a:t>
+              <a:t>6/7/2020</a:t>
             </a:fld>
             <a:endParaRPr lang="en-US"/>
           </a:p>
@@ -20878,8 +20903,8 @@
           </a:prstGeom>
         </p:spPr>
       </p:pic>
-      <mc:AlternateContent xmlns:mc="http://schemas.openxmlformats.org/markup-compatibility/2006">
-        <mc:Choice xmlns:a14="http://schemas.microsoft.com/office/drawing/2010/main" Requires="a14">
+      <mc:AlternateContent xmlns:mc="http://schemas.openxmlformats.org/markup-compatibility/2006" xmlns:a14="http://schemas.microsoft.com/office/drawing/2010/main">
+        <mc:Choice Requires="a14">
           <p:sp>
             <p:nvSpPr>
               <p:cNvPr id="5" name="TextBox 4">
@@ -21096,7 +21121,7 @@
             </p:txBody>
           </p:sp>
         </mc:Choice>
-        <mc:Fallback>
+        <mc:Fallback xmlns="">
           <p:sp>
             <p:nvSpPr>
               <p:cNvPr id="5" name="TextBox 4">
@@ -21144,8 +21169,8 @@
           </p:sp>
         </mc:Fallback>
       </mc:AlternateContent>
-      <mc:AlternateContent xmlns:mc="http://schemas.openxmlformats.org/markup-compatibility/2006">
-        <mc:Choice xmlns:a14="http://schemas.microsoft.com/office/drawing/2010/main" Requires="a14">
+      <mc:AlternateContent xmlns:mc="http://schemas.openxmlformats.org/markup-compatibility/2006" xmlns:a14="http://schemas.microsoft.com/office/drawing/2010/main">
+        <mc:Choice Requires="a14">
           <p:sp>
             <p:nvSpPr>
               <p:cNvPr id="6" name="TextBox 5">
@@ -21247,7 +21272,7 @@
             </p:txBody>
           </p:sp>
         </mc:Choice>
-        <mc:Fallback>
+        <mc:Fallback xmlns="">
           <p:sp>
             <p:nvSpPr>
               <p:cNvPr id="6" name="TextBox 5">
@@ -21297,8 +21322,8 @@
           </p:sp>
         </mc:Fallback>
       </mc:AlternateContent>
-      <mc:AlternateContent xmlns:mc="http://schemas.openxmlformats.org/markup-compatibility/2006">
-        <mc:Choice xmlns:a14="http://schemas.microsoft.com/office/drawing/2010/main" Requires="a14">
+      <mc:AlternateContent xmlns:mc="http://schemas.openxmlformats.org/markup-compatibility/2006" xmlns:a14="http://schemas.microsoft.com/office/drawing/2010/main">
+        <mc:Choice Requires="a14">
           <p:sp>
             <p:nvSpPr>
               <p:cNvPr id="7" name="TextBox 6">
@@ -21583,7 +21608,7 @@
             </p:txBody>
           </p:sp>
         </mc:Choice>
-        <mc:Fallback>
+        <mc:Fallback xmlns="">
           <p:sp>
             <p:nvSpPr>
               <p:cNvPr id="7" name="TextBox 6">
@@ -22399,8 +22424,8 @@
           </a:prstGeom>
         </p:spPr>
       </p:pic>
-      <mc:AlternateContent xmlns:mc="http://schemas.openxmlformats.org/markup-compatibility/2006">
-        <mc:Choice xmlns:a14="http://schemas.microsoft.com/office/drawing/2010/main" Requires="a14">
+      <mc:AlternateContent xmlns:mc="http://schemas.openxmlformats.org/markup-compatibility/2006" xmlns:a14="http://schemas.microsoft.com/office/drawing/2010/main">
+        <mc:Choice Requires="a14">
           <p:sp>
             <p:nvSpPr>
               <p:cNvPr id="5" name="TextBox 4">
@@ -22620,7 +22645,7 @@
             </p:txBody>
           </p:sp>
         </mc:Choice>
-        <mc:Fallback>
+        <mc:Fallback xmlns="">
           <p:sp>
             <p:nvSpPr>
               <p:cNvPr id="5" name="TextBox 4">
@@ -22668,8 +22693,8 @@
           </p:sp>
         </mc:Fallback>
       </mc:AlternateContent>
-      <mc:AlternateContent xmlns:mc="http://schemas.openxmlformats.org/markup-compatibility/2006">
-        <mc:Choice xmlns:a14="http://schemas.microsoft.com/office/drawing/2010/main" Requires="a14">
+      <mc:AlternateContent xmlns:mc="http://schemas.openxmlformats.org/markup-compatibility/2006" xmlns:a14="http://schemas.microsoft.com/office/drawing/2010/main">
+        <mc:Choice Requires="a14">
           <p:sp>
             <p:nvSpPr>
               <p:cNvPr id="6" name="TextBox 5">
@@ -22771,7 +22796,7 @@
             </p:txBody>
           </p:sp>
         </mc:Choice>
-        <mc:Fallback>
+        <mc:Fallback xmlns="">
           <p:sp>
             <p:nvSpPr>
               <p:cNvPr id="6" name="TextBox 5">
@@ -22821,8 +22846,8 @@
           </p:sp>
         </mc:Fallback>
       </mc:AlternateContent>
-      <mc:AlternateContent xmlns:mc="http://schemas.openxmlformats.org/markup-compatibility/2006">
-        <mc:Choice xmlns:a14="http://schemas.microsoft.com/office/drawing/2010/main" Requires="a14">
+      <mc:AlternateContent xmlns:mc="http://schemas.openxmlformats.org/markup-compatibility/2006" xmlns:a14="http://schemas.microsoft.com/office/drawing/2010/main">
+        <mc:Choice Requires="a14">
           <p:sp>
             <p:nvSpPr>
               <p:cNvPr id="7" name="TextBox 6">
@@ -23107,7 +23132,7 @@
             </p:txBody>
           </p:sp>
         </mc:Choice>
-        <mc:Fallback>
+        <mc:Fallback xmlns="">
           <p:sp>
             <p:nvSpPr>
               <p:cNvPr id="7" name="TextBox 6">

--- a/slides/08_ML_Classification_TreeBased.pptx
+++ b/slides/08_ML_Classification_TreeBased.pptx
@@ -5,7 +5,7 @@
     <p:sldMasterId id="2147483648" r:id="rId1"/>
   </p:sldMasterIdLst>
   <p:notesMasterIdLst>
-    <p:notesMasterId r:id="rId35"/>
+    <p:notesMasterId r:id="rId36"/>
   </p:notesMasterIdLst>
   <p:sldIdLst>
     <p:sldId id="256" r:id="rId2"/>
@@ -36,11 +36,12 @@
     <p:sldId id="300" r:id="rId27"/>
     <p:sldId id="283" r:id="rId28"/>
     <p:sldId id="264" r:id="rId29"/>
-    <p:sldId id="302" r:id="rId30"/>
-    <p:sldId id="307" r:id="rId31"/>
-    <p:sldId id="303" r:id="rId32"/>
-    <p:sldId id="306" r:id="rId33"/>
-    <p:sldId id="304" r:id="rId34"/>
+    <p:sldId id="308" r:id="rId30"/>
+    <p:sldId id="302" r:id="rId31"/>
+    <p:sldId id="307" r:id="rId32"/>
+    <p:sldId id="303" r:id="rId33"/>
+    <p:sldId id="306" r:id="rId34"/>
+    <p:sldId id="304" r:id="rId35"/>
   </p:sldIdLst>
   <p:sldSz cx="12192000" cy="6858000"/>
   <p:notesSz cx="6858000" cy="9144000"/>
@@ -229,7 +230,7 @@
           <a:p>
             <a:fld id="{2B6ADA65-42AE-42FD-B70D-8865A2D11361}" type="datetimeFigureOut">
               <a:rPr lang="en-US" smtClean="0"/>
-              <a:t>6/7/2020</a:t>
+              <a:t>6/9/2020</a:t>
             </a:fld>
             <a:endParaRPr lang="en-US"/>
           </a:p>
@@ -1327,12 +1328,8 @@
           </a:p>
           <a:p>
             <a:r>
-              <a:rPr lang="en-US"/>
-              <a:t>False Positive    </a:t>
-            </a:r>
-            <a:r>
               <a:rPr lang="en-US" dirty="0"/>
-              <a:t>(FP)-Also know as a Type I error</a:t>
+              <a:t>False Positive    (FP)-Also know as a Type I error</a:t>
             </a:r>
           </a:p>
           <a:p>
@@ -1340,6 +1337,9 @@
               <a:rPr lang="en-US" dirty="0"/>
               <a:t>False Negative (FN)-Also know as a Type II error</a:t>
             </a:r>
+          </a:p>
+          <a:p>
+            <a:endParaRPr lang="en-US" dirty="0"/>
           </a:p>
         </p:txBody>
       </p:sp>
@@ -1369,7 +1369,7 @@
     </p:spTree>
     <p:extLst>
       <p:ext uri="{BB962C8B-B14F-4D97-AF65-F5344CB8AC3E}">
-        <p14:creationId xmlns:p14="http://schemas.microsoft.com/office/powerpoint/2010/main" val="1034056394"/>
+        <p14:creationId xmlns:p14="http://schemas.microsoft.com/office/powerpoint/2010/main" val="1921713019"/>
       </p:ext>
     </p:extLst>
   </p:cSld>
@@ -1434,7 +1434,28 @@
               </a:rPr>
               <a:t>Precision=accuracy of the positive predictions</a:t>
             </a:r>
-            <a:endParaRPr lang="en-US" dirty="0"/>
+          </a:p>
+          <a:p>
+            <a:endParaRPr lang="en-US" sz="1200" b="0" i="0" u="none" strike="noStrike" kern="1200" baseline="0" dirty="0">
+              <a:solidFill>
+                <a:schemeClr val="tx1"/>
+              </a:solidFill>
+              <a:latin typeface="+mn-lt"/>
+              <a:ea typeface="+mn-ea"/>
+              <a:cs typeface="+mn-cs"/>
+            </a:endParaRPr>
+          </a:p>
+          <a:p>
+            <a:r>
+              <a:rPr lang="en-US" dirty="0"/>
+              <a:t>False Positive    (FP)-Also know as a Type I error</a:t>
+            </a:r>
+          </a:p>
+          <a:p>
+            <a:r>
+              <a:rPr lang="en-US" dirty="0"/>
+              <a:t>False Negative (FN)-Also know as a Type II error</a:t>
+            </a:r>
           </a:p>
         </p:txBody>
       </p:sp>
@@ -1464,7 +1485,7 @@
     </p:spTree>
     <p:extLst>
       <p:ext uri="{BB962C8B-B14F-4D97-AF65-F5344CB8AC3E}">
-        <p14:creationId xmlns:p14="http://schemas.microsoft.com/office/powerpoint/2010/main" val="427568632"/>
+        <p14:creationId xmlns:p14="http://schemas.microsoft.com/office/powerpoint/2010/main" val="1034056394"/>
       </p:ext>
     </p:extLst>
   </p:cSld>
@@ -1518,6 +1539,17 @@
           <a:bodyPr/>
           <a:lstStyle/>
           <a:p>
+            <a:r>
+              <a:rPr lang="en-US" sz="1200" b="0" i="0" u="none" strike="noStrike" kern="1200" baseline="0" dirty="0">
+                <a:solidFill>
+                  <a:schemeClr val="tx1"/>
+                </a:solidFill>
+                <a:latin typeface="+mn-lt"/>
+                <a:ea typeface="+mn-ea"/>
+                <a:cs typeface="+mn-cs"/>
+              </a:rPr>
+              <a:t>Precision=accuracy of the positive predictions</a:t>
+            </a:r>
             <a:endParaRPr lang="en-US" dirty="0"/>
           </a:p>
         </p:txBody>
@@ -1540,6 +1572,90 @@
             <a:fld id="{634CEEAB-9EE9-49A1-8A7C-A04E7AF4B623}" type="slidenum">
               <a:rPr lang="en-US" smtClean="0"/>
               <a:t>31</a:t>
+            </a:fld>
+            <a:endParaRPr lang="en-US"/>
+          </a:p>
+        </p:txBody>
+      </p:sp>
+    </p:spTree>
+    <p:extLst>
+      <p:ext uri="{BB962C8B-B14F-4D97-AF65-F5344CB8AC3E}">
+        <p14:creationId xmlns:p14="http://schemas.microsoft.com/office/powerpoint/2010/main" val="427568632"/>
+      </p:ext>
+    </p:extLst>
+  </p:cSld>
+  <p:clrMapOvr>
+    <a:masterClrMapping/>
+  </p:clrMapOvr>
+</p:notes>
+</file>
+
+<file path=ppt/notesSlides/notesSlide19.xml><?xml version="1.0" encoding="utf-8"?>
+<p:notes xmlns:a="http://schemas.openxmlformats.org/drawingml/2006/main" xmlns:r="http://schemas.openxmlformats.org/officeDocument/2006/relationships" xmlns:p="http://schemas.openxmlformats.org/presentationml/2006/main">
+  <p:cSld>
+    <p:spTree>
+      <p:nvGrpSpPr>
+        <p:cNvPr id="1" name=""/>
+        <p:cNvGrpSpPr/>
+        <p:nvPr/>
+      </p:nvGrpSpPr>
+      <p:grpSpPr>
+        <a:xfrm>
+          <a:off x="0" y="0"/>
+          <a:ext cx="0" cy="0"/>
+          <a:chOff x="0" y="0"/>
+          <a:chExt cx="0" cy="0"/>
+        </a:xfrm>
+      </p:grpSpPr>
+      <p:sp>
+        <p:nvSpPr>
+          <p:cNvPr id="2" name="Slide Image Placeholder 1"/>
+          <p:cNvSpPr>
+            <a:spLocks noGrp="1" noRot="1" noChangeAspect="1"/>
+          </p:cNvSpPr>
+          <p:nvPr>
+            <p:ph type="sldImg"/>
+          </p:nvPr>
+        </p:nvSpPr>
+        <p:spPr/>
+      </p:sp>
+      <p:sp>
+        <p:nvSpPr>
+          <p:cNvPr id="3" name="Notes Placeholder 2"/>
+          <p:cNvSpPr>
+            <a:spLocks noGrp="1"/>
+          </p:cNvSpPr>
+          <p:nvPr>
+            <p:ph type="body" idx="1"/>
+          </p:nvPr>
+        </p:nvSpPr>
+        <p:spPr/>
+        <p:txBody>
+          <a:bodyPr/>
+          <a:lstStyle/>
+          <a:p>
+            <a:endParaRPr lang="en-US" dirty="0"/>
+          </a:p>
+        </p:txBody>
+      </p:sp>
+      <p:sp>
+        <p:nvSpPr>
+          <p:cNvPr id="4" name="Slide Number Placeholder 3"/>
+          <p:cNvSpPr>
+            <a:spLocks noGrp="1"/>
+          </p:cNvSpPr>
+          <p:nvPr>
+            <p:ph type="sldNum" sz="quarter" idx="5"/>
+          </p:nvPr>
+        </p:nvSpPr>
+        <p:spPr/>
+        <p:txBody>
+          <a:bodyPr/>
+          <a:lstStyle/>
+          <a:p>
+            <a:fld id="{634CEEAB-9EE9-49A1-8A7C-A04E7AF4B623}" type="slidenum">
+              <a:rPr lang="en-US" smtClean="0"/>
+              <a:t>32</a:t>
             </a:fld>
             <a:endParaRPr lang="en-US"/>
           </a:p>
@@ -2977,7 +3093,7 @@
           <a:p>
             <a:fld id="{4EBB928B-0EDC-411C-A330-85D3092F9397}" type="datetimeFigureOut">
               <a:rPr lang="en-US" smtClean="0"/>
-              <a:t>6/7/2020</a:t>
+              <a:t>6/9/2020</a:t>
             </a:fld>
             <a:endParaRPr lang="en-US"/>
           </a:p>
@@ -3175,7 +3291,7 @@
           <a:p>
             <a:fld id="{4EBB928B-0EDC-411C-A330-85D3092F9397}" type="datetimeFigureOut">
               <a:rPr lang="en-US" smtClean="0"/>
-              <a:t>6/7/2020</a:t>
+              <a:t>6/9/2020</a:t>
             </a:fld>
             <a:endParaRPr lang="en-US"/>
           </a:p>
@@ -3383,7 +3499,7 @@
           <a:p>
             <a:fld id="{4EBB928B-0EDC-411C-A330-85D3092F9397}" type="datetimeFigureOut">
               <a:rPr lang="en-US" smtClean="0"/>
-              <a:t>6/7/2020</a:t>
+              <a:t>6/9/2020</a:t>
             </a:fld>
             <a:endParaRPr lang="en-US"/>
           </a:p>
@@ -3581,7 +3697,7 @@
           <a:p>
             <a:fld id="{4EBB928B-0EDC-411C-A330-85D3092F9397}" type="datetimeFigureOut">
               <a:rPr lang="en-US" smtClean="0"/>
-              <a:t>6/7/2020</a:t>
+              <a:t>6/9/2020</a:t>
             </a:fld>
             <a:endParaRPr lang="en-US"/>
           </a:p>
@@ -3856,7 +3972,7 @@
           <a:p>
             <a:fld id="{4EBB928B-0EDC-411C-A330-85D3092F9397}" type="datetimeFigureOut">
               <a:rPr lang="en-US" smtClean="0"/>
-              <a:t>6/7/2020</a:t>
+              <a:t>6/9/2020</a:t>
             </a:fld>
             <a:endParaRPr lang="en-US"/>
           </a:p>
@@ -4121,7 +4237,7 @@
           <a:p>
             <a:fld id="{4EBB928B-0EDC-411C-A330-85D3092F9397}" type="datetimeFigureOut">
               <a:rPr lang="en-US" smtClean="0"/>
-              <a:t>6/7/2020</a:t>
+              <a:t>6/9/2020</a:t>
             </a:fld>
             <a:endParaRPr lang="en-US"/>
           </a:p>
@@ -4533,7 +4649,7 @@
           <a:p>
             <a:fld id="{4EBB928B-0EDC-411C-A330-85D3092F9397}" type="datetimeFigureOut">
               <a:rPr lang="en-US" smtClean="0"/>
-              <a:t>6/7/2020</a:t>
+              <a:t>6/9/2020</a:t>
             </a:fld>
             <a:endParaRPr lang="en-US"/>
           </a:p>
@@ -4674,7 +4790,7 @@
           <a:p>
             <a:fld id="{4EBB928B-0EDC-411C-A330-85D3092F9397}" type="datetimeFigureOut">
               <a:rPr lang="en-US" smtClean="0"/>
-              <a:t>6/7/2020</a:t>
+              <a:t>6/9/2020</a:t>
             </a:fld>
             <a:endParaRPr lang="en-US"/>
           </a:p>
@@ -4787,7 +4903,7 @@
           <a:p>
             <a:fld id="{4EBB928B-0EDC-411C-A330-85D3092F9397}" type="datetimeFigureOut">
               <a:rPr lang="en-US" smtClean="0"/>
-              <a:t>6/7/2020</a:t>
+              <a:t>6/9/2020</a:t>
             </a:fld>
             <a:endParaRPr lang="en-US"/>
           </a:p>
@@ -5098,7 +5214,7 @@
           <a:p>
             <a:fld id="{4EBB928B-0EDC-411C-A330-85D3092F9397}" type="datetimeFigureOut">
               <a:rPr lang="en-US" smtClean="0"/>
-              <a:t>6/7/2020</a:t>
+              <a:t>6/9/2020</a:t>
             </a:fld>
             <a:endParaRPr lang="en-US"/>
           </a:p>
@@ -5386,7 +5502,7 @@
           <a:p>
             <a:fld id="{4EBB928B-0EDC-411C-A330-85D3092F9397}" type="datetimeFigureOut">
               <a:rPr lang="en-US" smtClean="0"/>
-              <a:t>6/7/2020</a:t>
+              <a:t>6/9/2020</a:t>
             </a:fld>
             <a:endParaRPr lang="en-US"/>
           </a:p>
@@ -5627,7 +5743,7 @@
           <a:p>
             <a:fld id="{4EBB928B-0EDC-411C-A330-85D3092F9397}" type="datetimeFigureOut">
               <a:rPr lang="en-US" smtClean="0"/>
-              <a:t>6/7/2020</a:t>
+              <a:t>6/9/2020</a:t>
             </a:fld>
             <a:endParaRPr lang="en-US"/>
           </a:p>
@@ -20843,6 +20959,267 @@
           <p:cNvPr id="2" name="Title 1">
             <a:extLst>
               <a:ext uri="{FF2B5EF4-FFF2-40B4-BE49-F238E27FC236}">
+                <a16:creationId xmlns:a16="http://schemas.microsoft.com/office/drawing/2014/main" id="{5EF09C39-48FC-43A9-AD4F-C38C4E369DA2}"/>
+              </a:ext>
+            </a:extLst>
+          </p:cNvPr>
+          <p:cNvSpPr>
+            <a:spLocks noGrp="1"/>
+          </p:cNvSpPr>
+          <p:nvPr>
+            <p:ph type="title"/>
+          </p:nvPr>
+        </p:nvSpPr>
+        <p:spPr/>
+        <p:txBody>
+          <a:bodyPr/>
+          <a:lstStyle/>
+          <a:p>
+            <a:r>
+              <a:rPr lang="es-419" dirty="0" err="1"/>
+              <a:t>Binary</a:t>
+            </a:r>
+            <a:r>
+              <a:rPr lang="es-419" dirty="0"/>
+              <a:t> </a:t>
+            </a:r>
+            <a:r>
+              <a:rPr lang="es-419" dirty="0" err="1"/>
+              <a:t>accuracy</a:t>
+            </a:r>
+            <a:r>
+              <a:rPr lang="es-419" dirty="0"/>
+              <a:t> </a:t>
+            </a:r>
+            <a:r>
+              <a:rPr lang="es-419" dirty="0" err="1"/>
+              <a:t>assesment</a:t>
+            </a:r>
+            <a:endParaRPr lang="en-US" dirty="0"/>
+          </a:p>
+        </p:txBody>
+      </p:sp>
+      <p:pic>
+        <p:nvPicPr>
+          <p:cNvPr id="3" name="Picture 2">
+            <a:extLst>
+              <a:ext uri="{FF2B5EF4-FFF2-40B4-BE49-F238E27FC236}">
+                <a16:creationId xmlns:a16="http://schemas.microsoft.com/office/drawing/2014/main" id="{6A0DDD3B-AE29-4991-83FB-752DF41D072B}"/>
+              </a:ext>
+            </a:extLst>
+          </p:cNvPr>
+          <p:cNvPicPr>
+            <a:picLocks noChangeAspect="1"/>
+          </p:cNvPicPr>
+          <p:nvPr/>
+        </p:nvPicPr>
+        <p:blipFill>
+          <a:blip r:embed="rId3"/>
+          <a:stretch>
+            <a:fillRect/>
+          </a:stretch>
+        </p:blipFill>
+        <p:spPr>
+          <a:xfrm>
+            <a:off x="2732788" y="1679189"/>
+            <a:ext cx="7061703" cy="4490519"/>
+          </a:xfrm>
+          <a:prstGeom prst="rect">
+            <a:avLst/>
+          </a:prstGeom>
+        </p:spPr>
+      </p:pic>
+      <p:sp>
+        <p:nvSpPr>
+          <p:cNvPr id="4" name="Rectangle 3">
+            <a:extLst>
+              <a:ext uri="{FF2B5EF4-FFF2-40B4-BE49-F238E27FC236}">
+                <a16:creationId xmlns:a16="http://schemas.microsoft.com/office/drawing/2014/main" id="{A36690A3-44F4-40CE-B74C-FBD56B5E10B9}"/>
+              </a:ext>
+            </a:extLst>
+          </p:cNvPr>
+          <p:cNvSpPr/>
+          <p:nvPr/>
+        </p:nvSpPr>
+        <p:spPr>
+          <a:xfrm>
+            <a:off x="0" y="6169708"/>
+            <a:ext cx="11353800" cy="369332"/>
+          </a:xfrm>
+          <a:prstGeom prst="rect">
+            <a:avLst/>
+          </a:prstGeom>
+        </p:spPr>
+        <p:txBody>
+          <a:bodyPr wrap="square">
+            <a:spAutoFit/>
+          </a:bodyPr>
+          <a:lstStyle/>
+          <a:p>
+            <a:r>
+              <a:rPr lang="en-US" dirty="0"/>
+              <a:t>2019 Sridhar </a:t>
+            </a:r>
+            <a:r>
+              <a:rPr lang="en-US" dirty="0" err="1"/>
+              <a:t>Alla_Beginning</a:t>
+            </a:r>
+            <a:r>
+              <a:rPr lang="en-US" dirty="0"/>
+              <a:t> Anomaly Detection Using Python-Based Deep Learning With </a:t>
+            </a:r>
+            <a:r>
+              <a:rPr lang="en-US" dirty="0" err="1"/>
+              <a:t>Keras</a:t>
+            </a:r>
+            <a:r>
+              <a:rPr lang="en-US" dirty="0"/>
+              <a:t> and PyTorch.pdf</a:t>
+            </a:r>
+          </a:p>
+        </p:txBody>
+      </p:sp>
+    </p:spTree>
+    <p:extLst>
+      <p:ext uri="{BB962C8B-B14F-4D97-AF65-F5344CB8AC3E}">
+        <p14:creationId xmlns:p14="http://schemas.microsoft.com/office/powerpoint/2010/main" val="1734649119"/>
+      </p:ext>
+    </p:extLst>
+  </p:cSld>
+  <p:clrMapOvr>
+    <a:masterClrMapping/>
+  </p:clrMapOvr>
+</p:sld>
+</file>
+
+<file path=ppt/slides/slide3.xml><?xml version="1.0" encoding="utf-8"?>
+<p:sld xmlns:a="http://schemas.openxmlformats.org/drawingml/2006/main" xmlns:r="http://schemas.openxmlformats.org/officeDocument/2006/relationships" xmlns:p="http://schemas.openxmlformats.org/presentationml/2006/main">
+  <p:cSld>
+    <p:spTree>
+      <p:nvGrpSpPr>
+        <p:cNvPr id="1" name=""/>
+        <p:cNvGrpSpPr/>
+        <p:nvPr/>
+      </p:nvGrpSpPr>
+      <p:grpSpPr>
+        <a:xfrm>
+          <a:off x="0" y="0"/>
+          <a:ext cx="0" cy="0"/>
+          <a:chOff x="0" y="0"/>
+          <a:chExt cx="0" cy="0"/>
+        </a:xfrm>
+      </p:grpSpPr>
+      <p:sp>
+        <p:nvSpPr>
+          <p:cNvPr id="2" name="Title 1">
+            <a:extLst>
+              <a:ext uri="{FF2B5EF4-FFF2-40B4-BE49-F238E27FC236}">
+                <a16:creationId xmlns:a16="http://schemas.microsoft.com/office/drawing/2014/main" id="{2FFFA0B6-D355-476A-A525-9E2294499966}"/>
+              </a:ext>
+            </a:extLst>
+          </p:cNvPr>
+          <p:cNvSpPr>
+            <a:spLocks noGrp="1"/>
+          </p:cNvSpPr>
+          <p:nvPr>
+            <p:ph type="title"/>
+          </p:nvPr>
+        </p:nvSpPr>
+        <p:spPr/>
+        <p:txBody>
+          <a:bodyPr/>
+          <a:lstStyle/>
+          <a:p>
+            <a:r>
+              <a:rPr lang="en-US" dirty="0"/>
+              <a:t>Variance</a:t>
+            </a:r>
+          </a:p>
+        </p:txBody>
+      </p:sp>
+      <p:pic>
+        <p:nvPicPr>
+          <p:cNvPr id="2050" name="Picture 2">
+            <a:hlinkClick r:id="rId2"/>
+            <a:extLst>
+              <a:ext uri="{FF2B5EF4-FFF2-40B4-BE49-F238E27FC236}">
+                <a16:creationId xmlns:a16="http://schemas.microsoft.com/office/drawing/2014/main" id="{068CCA6F-9EBD-4007-9B22-C593CA478C0D}"/>
+              </a:ext>
+            </a:extLst>
+          </p:cNvPr>
+          <p:cNvPicPr>
+            <a:picLocks noChangeAspect="1" noChangeArrowheads="1"/>
+          </p:cNvPicPr>
+          <p:nvPr/>
+        </p:nvPicPr>
+        <p:blipFill>
+          <a:blip r:embed="rId3">
+            <a:extLst>
+              <a:ext uri="{28A0092B-C50C-407E-A947-70E740481C1C}">
+                <a14:useLocalDpi xmlns:a14="http://schemas.microsoft.com/office/drawing/2010/main" val="0"/>
+              </a:ext>
+            </a:extLst>
+          </a:blip>
+          <a:srcRect/>
+          <a:stretch>
+            <a:fillRect/>
+          </a:stretch>
+        </p:blipFill>
+        <p:spPr bwMode="auto">
+          <a:xfrm>
+            <a:off x="1510661" y="1363579"/>
+            <a:ext cx="8304404" cy="5305592"/>
+          </a:xfrm>
+          <a:prstGeom prst="rect">
+            <a:avLst/>
+          </a:prstGeom>
+          <a:noFill/>
+          <a:extLst>
+            <a:ext uri="{909E8E84-426E-40DD-AFC4-6F175D3DCCD1}">
+              <a14:hiddenFill xmlns:a14="http://schemas.microsoft.com/office/drawing/2010/main">
+                <a:solidFill>
+                  <a:srgbClr val="FFFFFF"/>
+                </a:solidFill>
+              </a14:hiddenFill>
+            </a:ext>
+          </a:extLst>
+        </p:spPr>
+      </p:pic>
+    </p:spTree>
+    <p:extLst>
+      <p:ext uri="{BB962C8B-B14F-4D97-AF65-F5344CB8AC3E}">
+        <p14:creationId xmlns:p14="http://schemas.microsoft.com/office/powerpoint/2010/main" val="623660102"/>
+      </p:ext>
+    </p:extLst>
+  </p:cSld>
+  <p:clrMapOvr>
+    <a:masterClrMapping/>
+  </p:clrMapOvr>
+</p:sld>
+</file>
+
+<file path=ppt/slides/slide30.xml><?xml version="1.0" encoding="utf-8"?>
+<p:sld xmlns:a="http://schemas.openxmlformats.org/drawingml/2006/main" xmlns:r="http://schemas.openxmlformats.org/officeDocument/2006/relationships" xmlns:p="http://schemas.openxmlformats.org/presentationml/2006/main">
+  <p:cSld>
+    <p:spTree>
+      <p:nvGrpSpPr>
+        <p:cNvPr id="1" name=""/>
+        <p:cNvGrpSpPr/>
+        <p:nvPr/>
+      </p:nvGrpSpPr>
+      <p:grpSpPr>
+        <a:xfrm>
+          <a:off x="0" y="0"/>
+          <a:ext cx="0" cy="0"/>
+          <a:chOff x="0" y="0"/>
+          <a:chExt cx="0" cy="0"/>
+        </a:xfrm>
+      </p:grpSpPr>
+      <p:sp>
+        <p:nvSpPr>
+          <p:cNvPr id="2" name="Title 1">
+            <a:extLst>
+              <a:ext uri="{FF2B5EF4-FFF2-40B4-BE49-F238E27FC236}">
                 <a16:creationId xmlns:a16="http://schemas.microsoft.com/office/drawing/2014/main" id="{D84E5505-71D5-4F9C-8DC4-E95B42B4573D}"/>
               </a:ext>
             </a:extLst>
@@ -22271,113 +22648,7 @@
 </p:sld>
 </file>
 
-<file path=ppt/slides/slide3.xml><?xml version="1.0" encoding="utf-8"?>
-<p:sld xmlns:a="http://schemas.openxmlformats.org/drawingml/2006/main" xmlns:r="http://schemas.openxmlformats.org/officeDocument/2006/relationships" xmlns:p="http://schemas.openxmlformats.org/presentationml/2006/main">
-  <p:cSld>
-    <p:spTree>
-      <p:nvGrpSpPr>
-        <p:cNvPr id="1" name=""/>
-        <p:cNvGrpSpPr/>
-        <p:nvPr/>
-      </p:nvGrpSpPr>
-      <p:grpSpPr>
-        <a:xfrm>
-          <a:off x="0" y="0"/>
-          <a:ext cx="0" cy="0"/>
-          <a:chOff x="0" y="0"/>
-          <a:chExt cx="0" cy="0"/>
-        </a:xfrm>
-      </p:grpSpPr>
-      <p:sp>
-        <p:nvSpPr>
-          <p:cNvPr id="2" name="Title 1">
-            <a:extLst>
-              <a:ext uri="{FF2B5EF4-FFF2-40B4-BE49-F238E27FC236}">
-                <a16:creationId xmlns:a16="http://schemas.microsoft.com/office/drawing/2014/main" id="{2FFFA0B6-D355-476A-A525-9E2294499966}"/>
-              </a:ext>
-            </a:extLst>
-          </p:cNvPr>
-          <p:cNvSpPr>
-            <a:spLocks noGrp="1"/>
-          </p:cNvSpPr>
-          <p:nvPr>
-            <p:ph type="title"/>
-          </p:nvPr>
-        </p:nvSpPr>
-        <p:spPr/>
-        <p:txBody>
-          <a:bodyPr/>
-          <a:lstStyle/>
-          <a:p>
-            <a:r>
-              <a:rPr lang="en-US" dirty="0"/>
-              <a:t>Variance</a:t>
-            </a:r>
-          </a:p>
-        </p:txBody>
-      </p:sp>
-      <p:pic>
-        <p:nvPicPr>
-          <p:cNvPr id="2050" name="Picture 2">
-            <a:hlinkClick r:id="rId2"/>
-            <a:extLst>
-              <a:ext uri="{FF2B5EF4-FFF2-40B4-BE49-F238E27FC236}">
-                <a16:creationId xmlns:a16="http://schemas.microsoft.com/office/drawing/2014/main" id="{068CCA6F-9EBD-4007-9B22-C593CA478C0D}"/>
-              </a:ext>
-            </a:extLst>
-          </p:cNvPr>
-          <p:cNvPicPr>
-            <a:picLocks noChangeAspect="1" noChangeArrowheads="1"/>
-          </p:cNvPicPr>
-          <p:nvPr/>
-        </p:nvPicPr>
-        <p:blipFill>
-          <a:blip r:embed="rId3">
-            <a:extLst>
-              <a:ext uri="{28A0092B-C50C-407E-A947-70E740481C1C}">
-                <a14:useLocalDpi xmlns:a14="http://schemas.microsoft.com/office/drawing/2010/main" val="0"/>
-              </a:ext>
-            </a:extLst>
-          </a:blip>
-          <a:srcRect/>
-          <a:stretch>
-            <a:fillRect/>
-          </a:stretch>
-        </p:blipFill>
-        <p:spPr bwMode="auto">
-          <a:xfrm>
-            <a:off x="1510661" y="1363579"/>
-            <a:ext cx="8304404" cy="5305592"/>
-          </a:xfrm>
-          <a:prstGeom prst="rect">
-            <a:avLst/>
-          </a:prstGeom>
-          <a:noFill/>
-          <a:extLst>
-            <a:ext uri="{909E8E84-426E-40DD-AFC4-6F175D3DCCD1}">
-              <a14:hiddenFill xmlns:a14="http://schemas.microsoft.com/office/drawing/2010/main">
-                <a:solidFill>
-                  <a:srgbClr val="FFFFFF"/>
-                </a:solidFill>
-              </a14:hiddenFill>
-            </a:ext>
-          </a:extLst>
-        </p:spPr>
-      </p:pic>
-    </p:spTree>
-    <p:extLst>
-      <p:ext uri="{BB962C8B-B14F-4D97-AF65-F5344CB8AC3E}">
-        <p14:creationId xmlns:p14="http://schemas.microsoft.com/office/powerpoint/2010/main" val="623660102"/>
-      </p:ext>
-    </p:extLst>
-  </p:cSld>
-  <p:clrMapOvr>
-    <a:masterClrMapping/>
-  </p:clrMapOvr>
-</p:sld>
-</file>
-
-<file path=ppt/slides/slide30.xml><?xml version="1.0" encoding="utf-8"?>
+<file path=ppt/slides/slide31.xml><?xml version="1.0" encoding="utf-8"?>
 <p:sld xmlns:a="http://schemas.openxmlformats.org/drawingml/2006/main" xmlns:r="http://schemas.openxmlformats.org/officeDocument/2006/relationships" xmlns:p="http://schemas.openxmlformats.org/presentationml/2006/main">
   <p:cSld>
     <p:spTree>
@@ -23374,7 +23645,7 @@
 </p:sld>
 </file>
 
-<file path=ppt/slides/slide31.xml><?xml version="1.0" encoding="utf-8"?>
+<file path=ppt/slides/slide32.xml><?xml version="1.0" encoding="utf-8"?>
 <p:sld xmlns:a="http://schemas.openxmlformats.org/drawingml/2006/main" xmlns:r="http://schemas.openxmlformats.org/officeDocument/2006/relationships" xmlns:p="http://schemas.openxmlformats.org/presentationml/2006/main">
   <p:cSld>
     <p:spTree>
@@ -23462,7 +23733,7 @@
 </p:sld>
 </file>
 
-<file path=ppt/slides/slide32.xml><?xml version="1.0" encoding="utf-8"?>
+<file path=ppt/slides/slide33.xml><?xml version="1.0" encoding="utf-8"?>
 <p:sld xmlns:a="http://schemas.openxmlformats.org/drawingml/2006/main" xmlns:r="http://schemas.openxmlformats.org/officeDocument/2006/relationships" xmlns:p="http://schemas.openxmlformats.org/presentationml/2006/main">
   <p:cSld>
     <p:spTree>
@@ -23641,7 +23912,7 @@
 </p:sld>
 </file>
 
-<file path=ppt/slides/slide33.xml><?xml version="1.0" encoding="utf-8"?>
+<file path=ppt/slides/slide34.xml><?xml version="1.0" encoding="utf-8"?>
 <p:sld xmlns:a="http://schemas.openxmlformats.org/drawingml/2006/main" xmlns:r="http://schemas.openxmlformats.org/officeDocument/2006/relationships" xmlns:p="http://schemas.openxmlformats.org/presentationml/2006/main" show="0">
   <p:cSld>
     <p:spTree>
